--- a/document/architecture.pptx
+++ b/document/architecture.pptx
@@ -104,6 +104,11 @@
       </a:defRPr>
     </a:lvl9pPr>
   </p:defaultTextStyle>
+  <p:extLst>
+    <p:ext uri="{EFAFB233-063F-42B5-8137-9DF3F51BA10A}">
+      <p15:sldGuideLst xmlns:p15="http://schemas.microsoft.com/office/powerpoint/2012/main"/>
+    </p:ext>
+  </p:extLst>
 </p:presentation>
 </file>
 
@@ -238,7 +243,7 @@
           <a:p>
             <a:fld id="{C76255C6-9CB8-4BF3-84B7-01C502C2D9C2}" type="datetimeFigureOut">
               <a:rPr lang="en-GB" smtClean="0"/>
-              <a:t>19/05/2016</a:t>
+              <a:t>24/05/2016</a:t>
             </a:fld>
             <a:endParaRPr lang="en-GB"/>
           </a:p>
@@ -408,7 +413,7 @@
           <a:p>
             <a:fld id="{C76255C6-9CB8-4BF3-84B7-01C502C2D9C2}" type="datetimeFigureOut">
               <a:rPr lang="en-GB" smtClean="0"/>
-              <a:t>19/05/2016</a:t>
+              <a:t>24/05/2016</a:t>
             </a:fld>
             <a:endParaRPr lang="en-GB"/>
           </a:p>
@@ -588,7 +593,7 @@
           <a:p>
             <a:fld id="{C76255C6-9CB8-4BF3-84B7-01C502C2D9C2}" type="datetimeFigureOut">
               <a:rPr lang="en-GB" smtClean="0"/>
-              <a:t>19/05/2016</a:t>
+              <a:t>24/05/2016</a:t>
             </a:fld>
             <a:endParaRPr lang="en-GB"/>
           </a:p>
@@ -758,7 +763,7 @@
           <a:p>
             <a:fld id="{C76255C6-9CB8-4BF3-84B7-01C502C2D9C2}" type="datetimeFigureOut">
               <a:rPr lang="en-GB" smtClean="0"/>
-              <a:t>19/05/2016</a:t>
+              <a:t>24/05/2016</a:t>
             </a:fld>
             <a:endParaRPr lang="en-GB"/>
           </a:p>
@@ -1004,7 +1009,7 @@
           <a:p>
             <a:fld id="{C76255C6-9CB8-4BF3-84B7-01C502C2D9C2}" type="datetimeFigureOut">
               <a:rPr lang="en-GB" smtClean="0"/>
-              <a:t>19/05/2016</a:t>
+              <a:t>24/05/2016</a:t>
             </a:fld>
             <a:endParaRPr lang="en-GB"/>
           </a:p>
@@ -1236,7 +1241,7 @@
           <a:p>
             <a:fld id="{C76255C6-9CB8-4BF3-84B7-01C502C2D9C2}" type="datetimeFigureOut">
               <a:rPr lang="en-GB" smtClean="0"/>
-              <a:t>19/05/2016</a:t>
+              <a:t>24/05/2016</a:t>
             </a:fld>
             <a:endParaRPr lang="en-GB"/>
           </a:p>
@@ -1603,7 +1608,7 @@
           <a:p>
             <a:fld id="{C76255C6-9CB8-4BF3-84B7-01C502C2D9C2}" type="datetimeFigureOut">
               <a:rPr lang="en-GB" smtClean="0"/>
-              <a:t>19/05/2016</a:t>
+              <a:t>24/05/2016</a:t>
             </a:fld>
             <a:endParaRPr lang="en-GB"/>
           </a:p>
@@ -1721,7 +1726,7 @@
           <a:p>
             <a:fld id="{C76255C6-9CB8-4BF3-84B7-01C502C2D9C2}" type="datetimeFigureOut">
               <a:rPr lang="en-GB" smtClean="0"/>
-              <a:t>19/05/2016</a:t>
+              <a:t>24/05/2016</a:t>
             </a:fld>
             <a:endParaRPr lang="en-GB"/>
           </a:p>
@@ -1816,7 +1821,7 @@
           <a:p>
             <a:fld id="{C76255C6-9CB8-4BF3-84B7-01C502C2D9C2}" type="datetimeFigureOut">
               <a:rPr lang="en-GB" smtClean="0"/>
-              <a:t>19/05/2016</a:t>
+              <a:t>24/05/2016</a:t>
             </a:fld>
             <a:endParaRPr lang="en-GB"/>
           </a:p>
@@ -2093,7 +2098,7 @@
           <a:p>
             <a:fld id="{C76255C6-9CB8-4BF3-84B7-01C502C2D9C2}" type="datetimeFigureOut">
               <a:rPr lang="en-GB" smtClean="0"/>
-              <a:t>19/05/2016</a:t>
+              <a:t>24/05/2016</a:t>
             </a:fld>
             <a:endParaRPr lang="en-GB"/>
           </a:p>
@@ -2346,7 +2351,7 @@
           <a:p>
             <a:fld id="{C76255C6-9CB8-4BF3-84B7-01C502C2D9C2}" type="datetimeFigureOut">
               <a:rPr lang="en-GB" smtClean="0"/>
-              <a:t>19/05/2016</a:t>
+              <a:t>24/05/2016</a:t>
             </a:fld>
             <a:endParaRPr lang="en-GB"/>
           </a:p>
@@ -2559,7 +2564,7 @@
           <a:p>
             <a:fld id="{C76255C6-9CB8-4BF3-84B7-01C502C2D9C2}" type="datetimeFigureOut">
               <a:rPr lang="en-GB" smtClean="0"/>
-              <a:t>19/05/2016</a:t>
+              <a:t>24/05/2016</a:t>
             </a:fld>
             <a:endParaRPr lang="en-GB"/>
           </a:p>
@@ -4353,7 +4358,11 @@
           <a:p>
             <a:r>
               <a:rPr lang="en-US" dirty="0" smtClean="0"/>
-              <a:t>Web browser</a:t>
+              <a:t>Web </a:t>
+            </a:r>
+            <a:r>
+              <a:rPr lang="en-US" dirty="0" smtClean="0"/>
+              <a:t>Service</a:t>
             </a:r>
             <a:endParaRPr lang="en-GB" dirty="0"/>
           </a:p>

--- a/document/architecture.pptx
+++ b/document/architecture.pptx
@@ -154,7 +154,7 @@
           </a:lstStyle>
           <a:p>
             <a:r>
-              <a:rPr lang="en-US" smtClean="0"/>
+              <a:rPr lang="en-US"/>
               <a:t>Click to edit Master title style</a:t>
             </a:r>
             <a:endParaRPr lang="en-GB"/>
@@ -219,7 +219,7 @@
           </a:lstStyle>
           <a:p>
             <a:r>
-              <a:rPr lang="en-US" smtClean="0"/>
+              <a:rPr lang="en-US"/>
               <a:t>Click to edit Master subtitle style</a:t>
             </a:r>
             <a:endParaRPr lang="en-GB"/>
@@ -243,7 +243,7 @@
           <a:p>
             <a:fld id="{C76255C6-9CB8-4BF3-84B7-01C502C2D9C2}" type="datetimeFigureOut">
               <a:rPr lang="en-GB" smtClean="0"/>
-              <a:t>24/05/2016</a:t>
+              <a:t>08/07/2016</a:t>
             </a:fld>
             <a:endParaRPr lang="en-GB"/>
           </a:p>
@@ -337,7 +337,7 @@
           <a:lstStyle/>
           <a:p>
             <a:r>
-              <a:rPr lang="en-US" smtClean="0"/>
+              <a:rPr lang="en-US"/>
               <a:t>Click to edit Master title style</a:t>
             </a:r>
             <a:endParaRPr lang="en-GB"/>
@@ -361,35 +361,35 @@
           <a:p>
             <a:pPr lvl="0"/>
             <a:r>
-              <a:rPr lang="en-US" smtClean="0"/>
+              <a:rPr lang="en-US"/>
               <a:t>Click to edit Master text styles</a:t>
             </a:r>
           </a:p>
           <a:p>
             <a:pPr lvl="1"/>
             <a:r>
-              <a:rPr lang="en-US" smtClean="0"/>
+              <a:rPr lang="en-US"/>
               <a:t>Second level</a:t>
             </a:r>
           </a:p>
           <a:p>
             <a:pPr lvl="2"/>
             <a:r>
-              <a:rPr lang="en-US" smtClean="0"/>
+              <a:rPr lang="en-US"/>
               <a:t>Third level</a:t>
             </a:r>
           </a:p>
           <a:p>
             <a:pPr lvl="3"/>
             <a:r>
-              <a:rPr lang="en-US" smtClean="0"/>
+              <a:rPr lang="en-US"/>
               <a:t>Fourth level</a:t>
             </a:r>
           </a:p>
           <a:p>
             <a:pPr lvl="4"/>
             <a:r>
-              <a:rPr lang="en-US" smtClean="0"/>
+              <a:rPr lang="en-US"/>
               <a:t>Fifth level</a:t>
             </a:r>
             <a:endParaRPr lang="en-GB"/>
@@ -413,7 +413,7 @@
           <a:p>
             <a:fld id="{C76255C6-9CB8-4BF3-84B7-01C502C2D9C2}" type="datetimeFigureOut">
               <a:rPr lang="en-GB" smtClean="0"/>
-              <a:t>24/05/2016</a:t>
+              <a:t>08/07/2016</a:t>
             </a:fld>
             <a:endParaRPr lang="en-GB"/>
           </a:p>
@@ -512,7 +512,7 @@
           <a:lstStyle/>
           <a:p>
             <a:r>
-              <a:rPr lang="en-US" smtClean="0"/>
+              <a:rPr lang="en-US"/>
               <a:t>Click to edit Master title style</a:t>
             </a:r>
             <a:endParaRPr lang="en-GB"/>
@@ -541,35 +541,35 @@
           <a:p>
             <a:pPr lvl="0"/>
             <a:r>
-              <a:rPr lang="en-US" smtClean="0"/>
+              <a:rPr lang="en-US"/>
               <a:t>Click to edit Master text styles</a:t>
             </a:r>
           </a:p>
           <a:p>
             <a:pPr lvl="1"/>
             <a:r>
-              <a:rPr lang="en-US" smtClean="0"/>
+              <a:rPr lang="en-US"/>
               <a:t>Second level</a:t>
             </a:r>
           </a:p>
           <a:p>
             <a:pPr lvl="2"/>
             <a:r>
-              <a:rPr lang="en-US" smtClean="0"/>
+              <a:rPr lang="en-US"/>
               <a:t>Third level</a:t>
             </a:r>
           </a:p>
           <a:p>
             <a:pPr lvl="3"/>
             <a:r>
-              <a:rPr lang="en-US" smtClean="0"/>
+              <a:rPr lang="en-US"/>
               <a:t>Fourth level</a:t>
             </a:r>
           </a:p>
           <a:p>
             <a:pPr lvl="4"/>
             <a:r>
-              <a:rPr lang="en-US" smtClean="0"/>
+              <a:rPr lang="en-US"/>
               <a:t>Fifth level</a:t>
             </a:r>
             <a:endParaRPr lang="en-GB"/>
@@ -593,7 +593,7 @@
           <a:p>
             <a:fld id="{C76255C6-9CB8-4BF3-84B7-01C502C2D9C2}" type="datetimeFigureOut">
               <a:rPr lang="en-GB" smtClean="0"/>
-              <a:t>24/05/2016</a:t>
+              <a:t>08/07/2016</a:t>
             </a:fld>
             <a:endParaRPr lang="en-GB"/>
           </a:p>
@@ -687,7 +687,7 @@
           <a:lstStyle/>
           <a:p>
             <a:r>
-              <a:rPr lang="en-US" smtClean="0"/>
+              <a:rPr lang="en-US"/>
               <a:t>Click to edit Master title style</a:t>
             </a:r>
             <a:endParaRPr lang="en-GB"/>
@@ -711,35 +711,35 @@
           <a:p>
             <a:pPr lvl="0"/>
             <a:r>
-              <a:rPr lang="en-US" smtClean="0"/>
+              <a:rPr lang="en-US"/>
               <a:t>Click to edit Master text styles</a:t>
             </a:r>
           </a:p>
           <a:p>
             <a:pPr lvl="1"/>
             <a:r>
-              <a:rPr lang="en-US" smtClean="0"/>
+              <a:rPr lang="en-US"/>
               <a:t>Second level</a:t>
             </a:r>
           </a:p>
           <a:p>
             <a:pPr lvl="2"/>
             <a:r>
-              <a:rPr lang="en-US" smtClean="0"/>
+              <a:rPr lang="en-US"/>
               <a:t>Third level</a:t>
             </a:r>
           </a:p>
           <a:p>
             <a:pPr lvl="3"/>
             <a:r>
-              <a:rPr lang="en-US" smtClean="0"/>
+              <a:rPr lang="en-US"/>
               <a:t>Fourth level</a:t>
             </a:r>
           </a:p>
           <a:p>
             <a:pPr lvl="4"/>
             <a:r>
-              <a:rPr lang="en-US" smtClean="0"/>
+              <a:rPr lang="en-US"/>
               <a:t>Fifth level</a:t>
             </a:r>
             <a:endParaRPr lang="en-GB"/>
@@ -763,7 +763,7 @@
           <a:p>
             <a:fld id="{C76255C6-9CB8-4BF3-84B7-01C502C2D9C2}" type="datetimeFigureOut">
               <a:rPr lang="en-GB" smtClean="0"/>
-              <a:t>24/05/2016</a:t>
+              <a:t>08/07/2016</a:t>
             </a:fld>
             <a:endParaRPr lang="en-GB"/>
           </a:p>
@@ -866,7 +866,7 @@
           </a:lstStyle>
           <a:p>
             <a:r>
-              <a:rPr lang="en-US" smtClean="0"/>
+              <a:rPr lang="en-US"/>
               <a:t>Click to edit Master title style</a:t>
             </a:r>
             <a:endParaRPr lang="en-GB"/>
@@ -986,7 +986,7 @@
           <a:p>
             <a:pPr lvl="0"/>
             <a:r>
-              <a:rPr lang="en-US" smtClean="0"/>
+              <a:rPr lang="en-US"/>
               <a:t>Click to edit Master text styles</a:t>
             </a:r>
           </a:p>
@@ -1009,7 +1009,7 @@
           <a:p>
             <a:fld id="{C76255C6-9CB8-4BF3-84B7-01C502C2D9C2}" type="datetimeFigureOut">
               <a:rPr lang="en-GB" smtClean="0"/>
-              <a:t>24/05/2016</a:t>
+              <a:t>08/07/2016</a:t>
             </a:fld>
             <a:endParaRPr lang="en-GB"/>
           </a:p>
@@ -1103,7 +1103,7 @@
           <a:lstStyle/>
           <a:p>
             <a:r>
-              <a:rPr lang="en-US" smtClean="0"/>
+              <a:rPr lang="en-US"/>
               <a:t>Click to edit Master title style</a:t>
             </a:r>
             <a:endParaRPr lang="en-GB"/>
@@ -1132,35 +1132,35 @@
           <a:p>
             <a:pPr lvl="0"/>
             <a:r>
-              <a:rPr lang="en-US" smtClean="0"/>
+              <a:rPr lang="en-US"/>
               <a:t>Click to edit Master text styles</a:t>
             </a:r>
           </a:p>
           <a:p>
             <a:pPr lvl="1"/>
             <a:r>
-              <a:rPr lang="en-US" smtClean="0"/>
+              <a:rPr lang="en-US"/>
               <a:t>Second level</a:t>
             </a:r>
           </a:p>
           <a:p>
             <a:pPr lvl="2"/>
             <a:r>
-              <a:rPr lang="en-US" smtClean="0"/>
+              <a:rPr lang="en-US"/>
               <a:t>Third level</a:t>
             </a:r>
           </a:p>
           <a:p>
             <a:pPr lvl="3"/>
             <a:r>
-              <a:rPr lang="en-US" smtClean="0"/>
+              <a:rPr lang="en-US"/>
               <a:t>Fourth level</a:t>
             </a:r>
           </a:p>
           <a:p>
             <a:pPr lvl="4"/>
             <a:r>
-              <a:rPr lang="en-US" smtClean="0"/>
+              <a:rPr lang="en-US"/>
               <a:t>Fifth level</a:t>
             </a:r>
             <a:endParaRPr lang="en-GB"/>
@@ -1189,35 +1189,35 @@
           <a:p>
             <a:pPr lvl="0"/>
             <a:r>
-              <a:rPr lang="en-US" smtClean="0"/>
+              <a:rPr lang="en-US"/>
               <a:t>Click to edit Master text styles</a:t>
             </a:r>
           </a:p>
           <a:p>
             <a:pPr lvl="1"/>
             <a:r>
-              <a:rPr lang="en-US" smtClean="0"/>
+              <a:rPr lang="en-US"/>
               <a:t>Second level</a:t>
             </a:r>
           </a:p>
           <a:p>
             <a:pPr lvl="2"/>
             <a:r>
-              <a:rPr lang="en-US" smtClean="0"/>
+              <a:rPr lang="en-US"/>
               <a:t>Third level</a:t>
             </a:r>
           </a:p>
           <a:p>
             <a:pPr lvl="3"/>
             <a:r>
-              <a:rPr lang="en-US" smtClean="0"/>
+              <a:rPr lang="en-US"/>
               <a:t>Fourth level</a:t>
             </a:r>
           </a:p>
           <a:p>
             <a:pPr lvl="4"/>
             <a:r>
-              <a:rPr lang="en-US" smtClean="0"/>
+              <a:rPr lang="en-US"/>
               <a:t>Fifth level</a:t>
             </a:r>
             <a:endParaRPr lang="en-GB"/>
@@ -1241,7 +1241,7 @@
           <a:p>
             <a:fld id="{C76255C6-9CB8-4BF3-84B7-01C502C2D9C2}" type="datetimeFigureOut">
               <a:rPr lang="en-GB" smtClean="0"/>
-              <a:t>24/05/2016</a:t>
+              <a:t>08/07/2016</a:t>
             </a:fld>
             <a:endParaRPr lang="en-GB"/>
           </a:p>
@@ -1340,7 +1340,7 @@
           <a:lstStyle/>
           <a:p>
             <a:r>
-              <a:rPr lang="en-US" smtClean="0"/>
+              <a:rPr lang="en-US"/>
               <a:t>Click to edit Master title style</a:t>
             </a:r>
             <a:endParaRPr lang="en-GB"/>
@@ -1406,7 +1406,7 @@
           <a:p>
             <a:pPr lvl="0"/>
             <a:r>
-              <a:rPr lang="en-US" smtClean="0"/>
+              <a:rPr lang="en-US"/>
               <a:t>Click to edit Master text styles</a:t>
             </a:r>
           </a:p>
@@ -1434,35 +1434,35 @@
           <a:p>
             <a:pPr lvl="0"/>
             <a:r>
-              <a:rPr lang="en-US" smtClean="0"/>
+              <a:rPr lang="en-US"/>
               <a:t>Click to edit Master text styles</a:t>
             </a:r>
           </a:p>
           <a:p>
             <a:pPr lvl="1"/>
             <a:r>
-              <a:rPr lang="en-US" smtClean="0"/>
+              <a:rPr lang="en-US"/>
               <a:t>Second level</a:t>
             </a:r>
           </a:p>
           <a:p>
             <a:pPr lvl="2"/>
             <a:r>
-              <a:rPr lang="en-US" smtClean="0"/>
+              <a:rPr lang="en-US"/>
               <a:t>Third level</a:t>
             </a:r>
           </a:p>
           <a:p>
             <a:pPr lvl="3"/>
             <a:r>
-              <a:rPr lang="en-US" smtClean="0"/>
+              <a:rPr lang="en-US"/>
               <a:t>Fourth level</a:t>
             </a:r>
           </a:p>
           <a:p>
             <a:pPr lvl="4"/>
             <a:r>
-              <a:rPr lang="en-US" smtClean="0"/>
+              <a:rPr lang="en-US"/>
               <a:t>Fifth level</a:t>
             </a:r>
             <a:endParaRPr lang="en-GB"/>
@@ -1528,7 +1528,7 @@
           <a:p>
             <a:pPr lvl="0"/>
             <a:r>
-              <a:rPr lang="en-US" smtClean="0"/>
+              <a:rPr lang="en-US"/>
               <a:t>Click to edit Master text styles</a:t>
             </a:r>
           </a:p>
@@ -1556,35 +1556,35 @@
           <a:p>
             <a:pPr lvl="0"/>
             <a:r>
-              <a:rPr lang="en-US" smtClean="0"/>
+              <a:rPr lang="en-US"/>
               <a:t>Click to edit Master text styles</a:t>
             </a:r>
           </a:p>
           <a:p>
             <a:pPr lvl="1"/>
             <a:r>
-              <a:rPr lang="en-US" smtClean="0"/>
+              <a:rPr lang="en-US"/>
               <a:t>Second level</a:t>
             </a:r>
           </a:p>
           <a:p>
             <a:pPr lvl="2"/>
             <a:r>
-              <a:rPr lang="en-US" smtClean="0"/>
+              <a:rPr lang="en-US"/>
               <a:t>Third level</a:t>
             </a:r>
           </a:p>
           <a:p>
             <a:pPr lvl="3"/>
             <a:r>
-              <a:rPr lang="en-US" smtClean="0"/>
+              <a:rPr lang="en-US"/>
               <a:t>Fourth level</a:t>
             </a:r>
           </a:p>
           <a:p>
             <a:pPr lvl="4"/>
             <a:r>
-              <a:rPr lang="en-US" smtClean="0"/>
+              <a:rPr lang="en-US"/>
               <a:t>Fifth level</a:t>
             </a:r>
             <a:endParaRPr lang="en-GB"/>
@@ -1608,7 +1608,7 @@
           <a:p>
             <a:fld id="{C76255C6-9CB8-4BF3-84B7-01C502C2D9C2}" type="datetimeFigureOut">
               <a:rPr lang="en-GB" smtClean="0"/>
-              <a:t>24/05/2016</a:t>
+              <a:t>08/07/2016</a:t>
             </a:fld>
             <a:endParaRPr lang="en-GB"/>
           </a:p>
@@ -1702,7 +1702,7 @@
           <a:lstStyle/>
           <a:p>
             <a:r>
-              <a:rPr lang="en-US" smtClean="0"/>
+              <a:rPr lang="en-US"/>
               <a:t>Click to edit Master title style</a:t>
             </a:r>
             <a:endParaRPr lang="en-GB"/>
@@ -1726,7 +1726,7 @@
           <a:p>
             <a:fld id="{C76255C6-9CB8-4BF3-84B7-01C502C2D9C2}" type="datetimeFigureOut">
               <a:rPr lang="en-GB" smtClean="0"/>
-              <a:t>24/05/2016</a:t>
+              <a:t>08/07/2016</a:t>
             </a:fld>
             <a:endParaRPr lang="en-GB"/>
           </a:p>
@@ -1821,7 +1821,7 @@
           <a:p>
             <a:fld id="{C76255C6-9CB8-4BF3-84B7-01C502C2D9C2}" type="datetimeFigureOut">
               <a:rPr lang="en-GB" smtClean="0"/>
-              <a:t>24/05/2016</a:t>
+              <a:t>08/07/2016</a:t>
             </a:fld>
             <a:endParaRPr lang="en-GB"/>
           </a:p>
@@ -1924,7 +1924,7 @@
           </a:lstStyle>
           <a:p>
             <a:r>
-              <a:rPr lang="en-US" smtClean="0"/>
+              <a:rPr lang="en-US"/>
               <a:t>Click to edit Master title style</a:t>
             </a:r>
             <a:endParaRPr lang="en-GB"/>
@@ -1981,35 +1981,35 @@
           <a:p>
             <a:pPr lvl="0"/>
             <a:r>
-              <a:rPr lang="en-US" smtClean="0"/>
+              <a:rPr lang="en-US"/>
               <a:t>Click to edit Master text styles</a:t>
             </a:r>
           </a:p>
           <a:p>
             <a:pPr lvl="1"/>
             <a:r>
-              <a:rPr lang="en-US" smtClean="0"/>
+              <a:rPr lang="en-US"/>
               <a:t>Second level</a:t>
             </a:r>
           </a:p>
           <a:p>
             <a:pPr lvl="2"/>
             <a:r>
-              <a:rPr lang="en-US" smtClean="0"/>
+              <a:rPr lang="en-US"/>
               <a:t>Third level</a:t>
             </a:r>
           </a:p>
           <a:p>
             <a:pPr lvl="3"/>
             <a:r>
-              <a:rPr lang="en-US" smtClean="0"/>
+              <a:rPr lang="en-US"/>
               <a:t>Fourth level</a:t>
             </a:r>
           </a:p>
           <a:p>
             <a:pPr lvl="4"/>
             <a:r>
-              <a:rPr lang="en-US" smtClean="0"/>
+              <a:rPr lang="en-US"/>
               <a:t>Fifth level</a:t>
             </a:r>
             <a:endParaRPr lang="en-GB"/>
@@ -2075,7 +2075,7 @@
           <a:p>
             <a:pPr lvl="0"/>
             <a:r>
-              <a:rPr lang="en-US" smtClean="0"/>
+              <a:rPr lang="en-US"/>
               <a:t>Click to edit Master text styles</a:t>
             </a:r>
           </a:p>
@@ -2098,7 +2098,7 @@
           <a:p>
             <a:fld id="{C76255C6-9CB8-4BF3-84B7-01C502C2D9C2}" type="datetimeFigureOut">
               <a:rPr lang="en-GB" smtClean="0"/>
-              <a:t>24/05/2016</a:t>
+              <a:t>08/07/2016</a:t>
             </a:fld>
             <a:endParaRPr lang="en-GB"/>
           </a:p>
@@ -2201,7 +2201,7 @@
           </a:lstStyle>
           <a:p>
             <a:r>
-              <a:rPr lang="en-US" smtClean="0"/>
+              <a:rPr lang="en-US"/>
               <a:t>Click to edit Master title style</a:t>
             </a:r>
             <a:endParaRPr lang="en-GB"/>
@@ -2328,7 +2328,7 @@
           <a:p>
             <a:pPr lvl="0"/>
             <a:r>
-              <a:rPr lang="en-US" smtClean="0"/>
+              <a:rPr lang="en-US"/>
               <a:t>Click to edit Master text styles</a:t>
             </a:r>
           </a:p>
@@ -2351,7 +2351,7 @@
           <a:p>
             <a:fld id="{C76255C6-9CB8-4BF3-84B7-01C502C2D9C2}" type="datetimeFigureOut">
               <a:rPr lang="en-GB" smtClean="0"/>
-              <a:t>24/05/2016</a:t>
+              <a:t>08/07/2016</a:t>
             </a:fld>
             <a:endParaRPr lang="en-GB"/>
           </a:p>
@@ -2460,7 +2460,7 @@
           <a:lstStyle/>
           <a:p>
             <a:r>
-              <a:rPr lang="en-US" smtClean="0"/>
+              <a:rPr lang="en-US"/>
               <a:t>Click to edit Master title style</a:t>
             </a:r>
             <a:endParaRPr lang="en-GB"/>
@@ -2494,35 +2494,35 @@
           <a:p>
             <a:pPr lvl="0"/>
             <a:r>
-              <a:rPr lang="en-US" smtClean="0"/>
+              <a:rPr lang="en-US"/>
               <a:t>Click to edit Master text styles</a:t>
             </a:r>
           </a:p>
           <a:p>
             <a:pPr lvl="1"/>
             <a:r>
-              <a:rPr lang="en-US" smtClean="0"/>
+              <a:rPr lang="en-US"/>
               <a:t>Second level</a:t>
             </a:r>
           </a:p>
           <a:p>
             <a:pPr lvl="2"/>
             <a:r>
-              <a:rPr lang="en-US" smtClean="0"/>
+              <a:rPr lang="en-US"/>
               <a:t>Third level</a:t>
             </a:r>
           </a:p>
           <a:p>
             <a:pPr lvl="3"/>
             <a:r>
-              <a:rPr lang="en-US" smtClean="0"/>
+              <a:rPr lang="en-US"/>
               <a:t>Fourth level</a:t>
             </a:r>
           </a:p>
           <a:p>
             <a:pPr lvl="4"/>
             <a:r>
-              <a:rPr lang="en-US" smtClean="0"/>
+              <a:rPr lang="en-US"/>
               <a:t>Fifth level</a:t>
             </a:r>
             <a:endParaRPr lang="en-GB"/>
@@ -2564,7 +2564,7 @@
           <a:p>
             <a:fld id="{C76255C6-9CB8-4BF3-84B7-01C502C2D9C2}" type="datetimeFigureOut">
               <a:rPr lang="en-GB" smtClean="0"/>
-              <a:t>24/05/2016</a:t>
+              <a:t>08/07/2016</a:t>
             </a:fld>
             <a:endParaRPr lang="en-GB"/>
           </a:p>
@@ -2980,7 +2980,7 @@
         </p:nvCxnSpPr>
         <p:spPr>
           <a:xfrm flipH="1" flipV="1">
-            <a:off x="4331201" y="2450412"/>
+            <a:off x="4011708" y="2450412"/>
             <a:ext cx="342489" cy="2144865"/>
           </a:xfrm>
           <a:prstGeom prst="straightConnector1">
@@ -3017,7 +3017,7 @@
         </p:nvCxnSpPr>
         <p:spPr>
           <a:xfrm flipV="1">
-            <a:off x="4673690" y="2450412"/>
+            <a:off x="4354197" y="2450412"/>
             <a:ext cx="2525388" cy="2144865"/>
           </a:xfrm>
           <a:prstGeom prst="straightConnector1">
@@ -3054,7 +3054,7 @@
         </p:nvCxnSpPr>
         <p:spPr>
           <a:xfrm flipV="1">
-            <a:off x="4673690" y="2450412"/>
+            <a:off x="4354197" y="2450412"/>
             <a:ext cx="5359318" cy="2144865"/>
           </a:xfrm>
           <a:prstGeom prst="straightConnector1">
@@ -3088,7 +3088,7 @@
         </p:nvGrpSpPr>
         <p:grpSpPr>
           <a:xfrm>
-            <a:off x="8416787" y="4536094"/>
+            <a:off x="8097294" y="4536094"/>
             <a:ext cx="2175750" cy="1677144"/>
             <a:chOff x="6340175" y="4013581"/>
             <a:chExt cx="2175750" cy="1677144"/>
@@ -3176,7 +3176,7 @@
               <a:lstStyle/>
               <a:p>
                 <a:r>
-                  <a:rPr lang="en-US" b="1" dirty="0" smtClean="0"/>
+                  <a:rPr lang="en-US" b="1" dirty="0"/>
                   <a:t>Shared Resource Database</a:t>
                 </a:r>
                 <a:endParaRPr lang="en-US" dirty="0"/>
@@ -3226,7 +3226,7 @@
         </p:nvGrpSpPr>
         <p:grpSpPr>
           <a:xfrm>
-            <a:off x="3141529" y="4595277"/>
+            <a:off x="2822036" y="4595277"/>
             <a:ext cx="3064321" cy="1558778"/>
             <a:chOff x="1080508" y="4072764"/>
             <a:chExt cx="3064321" cy="1558778"/>
@@ -3314,19 +3314,19 @@
               <a:lstStyle/>
               <a:p>
                 <a:r>
-                  <a:rPr lang="en-US" b="1" dirty="0" smtClean="0"/>
+                  <a:rPr lang="en-US" b="1" dirty="0"/>
                   <a:t>Node N (coordinator)</a:t>
                 </a:r>
               </a:p>
               <a:p>
                 <a:r>
-                  <a:rPr lang="en-US" dirty="0" smtClean="0"/>
+                  <a:rPr lang="en-US" dirty="0"/>
                   <a:t>Database</a:t>
                 </a:r>
               </a:p>
               <a:p>
                 <a:r>
-                  <a:rPr lang="en-US" dirty="0" smtClean="0"/>
+                  <a:rPr lang="en-US" dirty="0"/>
                   <a:t>Web browser</a:t>
                 </a:r>
                 <a:endParaRPr lang="en-GB" dirty="0"/>
@@ -3373,7 +3373,7 @@
         </p:nvGrpSpPr>
         <p:grpSpPr>
           <a:xfrm>
-            <a:off x="6111203" y="773268"/>
+            <a:off x="5791710" y="773268"/>
             <a:ext cx="2175750" cy="1677144"/>
             <a:chOff x="4050182" y="1034525"/>
             <a:chExt cx="2175750" cy="1677144"/>
@@ -3461,7 +3461,7 @@
               <a:lstStyle/>
               <a:p>
                 <a:r>
-                  <a:rPr lang="en-US" b="1" dirty="0" smtClean="0"/>
+                  <a:rPr lang="en-US" b="1" dirty="0"/>
                   <a:t>Node N (worker)</a:t>
                 </a:r>
               </a:p>
@@ -3470,7 +3470,7 @@
               </a:p>
               <a:p>
                 <a:r>
-                  <a:rPr lang="en-US" dirty="0" smtClean="0"/>
+                  <a:rPr lang="en-US" dirty="0"/>
                   <a:t>Database</a:t>
                 </a:r>
                 <a:endParaRPr lang="en-GB" dirty="0"/>
@@ -3517,7 +3517,7 @@
         </p:nvGrpSpPr>
         <p:grpSpPr>
           <a:xfrm>
-            <a:off x="8945133" y="773268"/>
+            <a:off x="8625640" y="773268"/>
             <a:ext cx="2175750" cy="1690720"/>
             <a:chOff x="6884112" y="1034525"/>
             <a:chExt cx="2175750" cy="1690720"/>
@@ -3605,7 +3605,7 @@
               <a:lstStyle/>
               <a:p>
                 <a:r>
-                  <a:rPr lang="en-US" b="1" dirty="0" smtClean="0"/>
+                  <a:rPr lang="en-US" b="1" dirty="0"/>
                   <a:t>Node N (worker)</a:t>
                 </a:r>
               </a:p>
@@ -3614,7 +3614,7 @@
               </a:p>
               <a:p>
                 <a:r>
-                  <a:rPr lang="en-US" dirty="0" smtClean="0"/>
+                  <a:rPr lang="en-US" dirty="0"/>
                   <a:t>Database</a:t>
                 </a:r>
                 <a:endParaRPr lang="en-GB" dirty="0"/>
@@ -3661,7 +3661,7 @@
         </p:nvGrpSpPr>
         <p:grpSpPr>
           <a:xfrm>
-            <a:off x="3243326" y="773268"/>
+            <a:off x="2923833" y="773268"/>
             <a:ext cx="2175750" cy="1677144"/>
             <a:chOff x="1182305" y="1034525"/>
             <a:chExt cx="2175750" cy="1677144"/>
@@ -3749,7 +3749,7 @@
               <a:lstStyle/>
               <a:p>
                 <a:r>
-                  <a:rPr lang="en-US" b="1" dirty="0" smtClean="0"/>
+                  <a:rPr lang="en-US" b="1" dirty="0"/>
                   <a:t>Node N (worker)</a:t>
                 </a:r>
               </a:p>
@@ -3758,7 +3758,7 @@
               </a:p>
               <a:p>
                 <a:r>
-                  <a:rPr lang="en-US" dirty="0" smtClean="0"/>
+                  <a:rPr lang="en-US" dirty="0"/>
                   <a:t>Database</a:t>
                 </a:r>
                 <a:endParaRPr lang="en-GB" dirty="0"/>
@@ -3807,7 +3807,7 @@
         </p:nvCxnSpPr>
         <p:spPr>
           <a:xfrm flipV="1">
-            <a:off x="9490147" y="2450412"/>
+            <a:off x="9170654" y="2450412"/>
             <a:ext cx="542861" cy="2085682"/>
           </a:xfrm>
           <a:prstGeom prst="straightConnector1">
@@ -3843,7 +3843,7 @@
         </p:nvCxnSpPr>
         <p:spPr>
           <a:xfrm flipH="1" flipV="1">
-            <a:off x="7199078" y="2450412"/>
+            <a:off x="6879585" y="2450412"/>
             <a:ext cx="2291069" cy="2085682"/>
           </a:xfrm>
           <a:prstGeom prst="straightConnector1">
@@ -3879,7 +3879,7 @@
         </p:nvCxnSpPr>
         <p:spPr>
           <a:xfrm flipH="1" flipV="1">
-            <a:off x="4331201" y="2450412"/>
+            <a:off x="4011708" y="2450412"/>
             <a:ext cx="5158946" cy="2085682"/>
           </a:xfrm>
           <a:prstGeom prst="straightConnector1">
@@ -3915,7 +3915,7 @@
         </p:nvCxnSpPr>
         <p:spPr>
           <a:xfrm flipH="1">
-            <a:off x="6205850" y="5374666"/>
+            <a:off x="5886357" y="5374666"/>
             <a:ext cx="2196422" cy="0"/>
           </a:xfrm>
           <a:prstGeom prst="straightConnector1">
@@ -3949,7 +3949,7 @@
         </p:nvSpPr>
         <p:spPr>
           <a:xfrm>
-            <a:off x="1682601" y="773268"/>
+            <a:off x="1363108" y="773268"/>
             <a:ext cx="522515" cy="5439970"/>
           </a:xfrm>
           <a:prstGeom prst="roundRect">
@@ -3991,7 +3991,7 @@
         </p:nvCxnSpPr>
         <p:spPr>
           <a:xfrm flipH="1">
-            <a:off x="2199000" y="5374666"/>
+            <a:off x="1879507" y="5374666"/>
             <a:ext cx="942529" cy="0"/>
           </a:xfrm>
           <a:prstGeom prst="straightConnector1">
@@ -4030,7 +4030,7 @@
         </p:nvCxnSpPr>
         <p:spPr>
           <a:xfrm flipH="1">
-            <a:off x="2199000" y="1611840"/>
+            <a:off x="1879507" y="1611840"/>
             <a:ext cx="1044326" cy="0"/>
           </a:xfrm>
           <a:prstGeom prst="straightConnector1">
@@ -4070,7 +4070,7 @@
         </p:nvCxnSpPr>
         <p:spPr>
           <a:xfrm flipH="1">
-            <a:off x="5419076" y="1611840"/>
+            <a:off x="5099583" y="1611840"/>
             <a:ext cx="692127" cy="0"/>
           </a:xfrm>
           <a:prstGeom prst="straightConnector1">
@@ -4110,7 +4110,7 @@
         </p:nvCxnSpPr>
         <p:spPr>
           <a:xfrm flipH="1">
-            <a:off x="8286953" y="1611840"/>
+            <a:off x="7967460" y="1611840"/>
             <a:ext cx="658180" cy="0"/>
           </a:xfrm>
           <a:prstGeom prst="straightConnector1">
@@ -4147,7 +4147,7 @@
         </p:nvSpPr>
         <p:spPr>
           <a:xfrm>
-            <a:off x="846869" y="199507"/>
+            <a:off x="527376" y="199507"/>
             <a:ext cx="1104334" cy="646331"/>
           </a:xfrm>
           <a:prstGeom prst="rect">
@@ -4162,7 +4162,7 @@
           <a:lstStyle/>
           <a:p>
             <a:r>
-              <a:rPr lang="en-US" dirty="0" smtClean="0"/>
+              <a:rPr lang="en-US" dirty="0"/>
               <a:t>Message channel</a:t>
             </a:r>
             <a:endParaRPr lang="en-GB" dirty="0"/>
@@ -4177,7 +4177,7 @@
         </p:nvSpPr>
         <p:spPr>
           <a:xfrm>
-            <a:off x="2240377" y="1186714"/>
+            <a:off x="1920884" y="1186714"/>
             <a:ext cx="1104334" cy="369332"/>
           </a:xfrm>
           <a:prstGeom prst="rect">
@@ -4192,7 +4192,7 @@
           <a:lstStyle/>
           <a:p>
             <a:r>
-              <a:rPr lang="en-US" dirty="0" smtClean="0"/>
+              <a:rPr lang="en-US" dirty="0"/>
               <a:t>Pub/sub</a:t>
             </a:r>
             <a:endParaRPr lang="en-GB" dirty="0"/>
@@ -4207,7 +4207,7 @@
         </p:nvSpPr>
         <p:spPr>
           <a:xfrm>
-            <a:off x="2233639" y="4960795"/>
+            <a:off x="1914146" y="4960795"/>
             <a:ext cx="1104334" cy="369332"/>
           </a:xfrm>
           <a:prstGeom prst="rect">
@@ -4222,7 +4222,7 @@
           <a:lstStyle/>
           <a:p>
             <a:r>
-              <a:rPr lang="en-US" dirty="0" smtClean="0"/>
+              <a:rPr lang="en-US" dirty="0"/>
               <a:t>Pub/sub</a:t>
             </a:r>
             <a:endParaRPr lang="en-GB" dirty="0"/>
@@ -4237,7 +4237,7 @@
         </p:nvSpPr>
         <p:spPr>
           <a:xfrm>
-            <a:off x="2880501" y="6346230"/>
+            <a:off x="2561008" y="6346230"/>
             <a:ext cx="1747032" cy="369332"/>
           </a:xfrm>
           <a:prstGeom prst="rect">
@@ -4252,7 +4252,7 @@
           <a:lstStyle/>
           <a:p>
             <a:r>
-              <a:rPr lang="en-US" dirty="0" smtClean="0"/>
+              <a:rPr lang="en-US" dirty="0"/>
               <a:t>RPC/Messaging</a:t>
             </a:r>
             <a:endParaRPr lang="en-GB" dirty="0"/>
@@ -4267,7 +4267,7 @@
         </p:nvCxnSpPr>
         <p:spPr>
           <a:xfrm flipH="1">
-            <a:off x="2365828" y="6548028"/>
+            <a:off x="2046335" y="6548028"/>
             <a:ext cx="514673" cy="0"/>
           </a:xfrm>
           <a:prstGeom prst="straightConnector1">
@@ -4301,7 +4301,7 @@
         </p:nvSpPr>
         <p:spPr>
           <a:xfrm>
-            <a:off x="420914" y="126937"/>
+            <a:off x="101421" y="126937"/>
             <a:ext cx="10900229" cy="6588625"/>
           </a:xfrm>
           <a:prstGeom prst="roundRect">
@@ -4342,7 +4342,7 @@
         </p:nvSpPr>
         <p:spPr>
           <a:xfrm>
-            <a:off x="11087666" y="6148308"/>
+            <a:off x="10768173" y="6148308"/>
             <a:ext cx="1104334" cy="646331"/>
           </a:xfrm>
           <a:prstGeom prst="rect">
@@ -4357,12 +4357,158 @@
           <a:lstStyle/>
           <a:p>
             <a:r>
-              <a:rPr lang="en-US" dirty="0" smtClean="0"/>
-              <a:t>Web </a:t>
-            </a:r>
-            <a:r>
-              <a:rPr lang="en-US" dirty="0" smtClean="0"/>
-              <a:t>Service</a:t>
+              <a:rPr lang="en-US" dirty="0"/>
+              <a:t>Web Service</a:t>
+            </a:r>
+            <a:endParaRPr lang="en-GB" dirty="0"/>
+          </a:p>
+        </p:txBody>
+      </p:sp>
+      <p:sp>
+        <p:nvSpPr>
+          <p:cNvPr id="2" name="순서도: 연결자 1"/>
+          <p:cNvSpPr/>
+          <p:nvPr/>
+        </p:nvSpPr>
+        <p:spPr>
+          <a:xfrm>
+            <a:off x="11157418" y="3707935"/>
+            <a:ext cx="129187" cy="134224"/>
+          </a:xfrm>
+          <a:prstGeom prst="flowChartConnector">
+            <a:avLst/>
+          </a:prstGeom>
+        </p:spPr>
+        <p:style>
+          <a:lnRef idx="2">
+            <a:schemeClr val="accent1">
+              <a:shade val="50000"/>
+            </a:schemeClr>
+          </a:lnRef>
+          <a:fillRef idx="1">
+            <a:schemeClr val="accent1"/>
+          </a:fillRef>
+          <a:effectRef idx="0">
+            <a:schemeClr val="accent1"/>
+          </a:effectRef>
+          <a:fontRef idx="minor">
+            <a:schemeClr val="lt1"/>
+          </a:fontRef>
+        </p:style>
+        <p:txBody>
+          <a:bodyPr rtlCol="0" anchor="ctr"/>
+          <a:lstStyle/>
+          <a:p>
+            <a:pPr algn="ctr"/>
+            <a:endParaRPr lang="en-GB"/>
+          </a:p>
+        </p:txBody>
+      </p:sp>
+      <p:sp>
+        <p:nvSpPr>
+          <p:cNvPr id="47" name="순서도: 연결자 46"/>
+          <p:cNvSpPr/>
+          <p:nvPr/>
+        </p:nvSpPr>
+        <p:spPr>
+          <a:xfrm>
+            <a:off x="11502765" y="3717722"/>
+            <a:ext cx="129187" cy="134224"/>
+          </a:xfrm>
+          <a:prstGeom prst="flowChartConnector">
+            <a:avLst/>
+          </a:prstGeom>
+        </p:spPr>
+        <p:style>
+          <a:lnRef idx="2">
+            <a:schemeClr val="accent1">
+              <a:shade val="50000"/>
+            </a:schemeClr>
+          </a:lnRef>
+          <a:fillRef idx="1">
+            <a:schemeClr val="accent1"/>
+          </a:fillRef>
+          <a:effectRef idx="0">
+            <a:schemeClr val="accent1"/>
+          </a:effectRef>
+          <a:fontRef idx="minor">
+            <a:schemeClr val="lt1"/>
+          </a:fontRef>
+        </p:style>
+        <p:txBody>
+          <a:bodyPr rtlCol="0" anchor="ctr"/>
+          <a:lstStyle/>
+          <a:p>
+            <a:pPr algn="ctr"/>
+            <a:endParaRPr lang="en-GB"/>
+          </a:p>
+        </p:txBody>
+      </p:sp>
+      <p:sp>
+        <p:nvSpPr>
+          <p:cNvPr id="48" name="순서도: 연결자 47"/>
+          <p:cNvSpPr/>
+          <p:nvPr/>
+        </p:nvSpPr>
+        <p:spPr>
+          <a:xfrm>
+            <a:off x="11857350" y="3717722"/>
+            <a:ext cx="129187" cy="134224"/>
+          </a:xfrm>
+          <a:prstGeom prst="flowChartConnector">
+            <a:avLst/>
+          </a:prstGeom>
+        </p:spPr>
+        <p:style>
+          <a:lnRef idx="2">
+            <a:schemeClr val="accent1">
+              <a:shade val="50000"/>
+            </a:schemeClr>
+          </a:lnRef>
+          <a:fillRef idx="1">
+            <a:schemeClr val="accent1"/>
+          </a:fillRef>
+          <a:effectRef idx="0">
+            <a:schemeClr val="accent1"/>
+          </a:effectRef>
+          <a:fontRef idx="minor">
+            <a:schemeClr val="lt1"/>
+          </a:fontRef>
+        </p:style>
+        <p:txBody>
+          <a:bodyPr rtlCol="0" anchor="ctr"/>
+          <a:lstStyle/>
+          <a:p>
+            <a:pPr algn="ctr"/>
+            <a:endParaRPr lang="en-GB"/>
+          </a:p>
+        </p:txBody>
+      </p:sp>
+      <p:sp>
+        <p:nvSpPr>
+          <p:cNvPr id="49" name="TextBox 48"/>
+          <p:cNvSpPr txBox="1"/>
+          <p:nvPr/>
+        </p:nvSpPr>
+        <p:spPr>
+          <a:xfrm>
+            <a:off x="11205233" y="3812756"/>
+            <a:ext cx="1104334" cy="369332"/>
+          </a:xfrm>
+          <a:prstGeom prst="rect">
+            <a:avLst/>
+          </a:prstGeom>
+          <a:noFill/>
+        </p:spPr>
+        <p:txBody>
+          <a:bodyPr wrap="square" rtlCol="0">
+            <a:spAutoFit/>
+          </a:bodyPr>
+          <a:lstStyle/>
+          <a:p>
+            <a:r>
+              <a:rPr lang="en-US" dirty="0"/>
+              <a:t>Scaling</a:t>
             </a:r>
             <a:endParaRPr lang="en-GB" dirty="0"/>
           </a:p>
